--- a/GPFC.pptx
+++ b/GPFC.pptx
@@ -3399,7 +3399,7 @@
         <p:spPr>
           <a:xfrm>
             <a:off x="103637" y="83666"/>
-            <a:ext cx="11612880" cy="798830"/>
+            <a:ext cx="11612880" cy="829945"/>
           </a:xfrm>
           <a:prstGeom prst="rect">
             <a:avLst/>
@@ -3433,7 +3433,7 @@
           </a:p>
           <a:p>
             <a:r>
-              <a:rPr lang="en-US" altLang="zh-CN" sz="1600" b="1" dirty="0">
+              <a:rPr lang="en-US" altLang="zh-CN" b="1" dirty="0">
                 <a:solidFill>
                   <a:srgbClr val="002060"/>
                 </a:solidFill>
@@ -3443,7 +3443,7 @@
               </a:rPr>
               <a:t>Hengzhe Zhang</a:t>
             </a:r>
-            <a:endParaRPr lang="en-US" altLang="zh-CN" sz="1600" b="1" dirty="0">
+            <a:endParaRPr lang="en-US" altLang="zh-CN" b="1" dirty="0">
               <a:solidFill>
                 <a:srgbClr val="002060"/>
               </a:solidFill>
